--- a/mhw3.pptx
+++ b/mhw3.pptx
@@ -6649,10 +6649,10 @@
       </p:pic>
       <p:pic>
         <p:nvPicPr>
-          <p:cNvPr id="15" name="Immagine 14">
-            <a:extLst>
-              <a:ext uri="{FF2B5EF4-FFF2-40B4-BE49-F238E27FC236}">
-                <a16:creationId xmlns:a16="http://schemas.microsoft.com/office/drawing/2014/main" id="{28B4078F-7045-E92D-DFFC-358728A28376}"/>
+          <p:cNvPr id="7" name="Immagine 6">
+            <a:extLst>
+              <a:ext uri="{FF2B5EF4-FFF2-40B4-BE49-F238E27FC236}">
+                <a16:creationId xmlns:a16="http://schemas.microsoft.com/office/drawing/2014/main" id="{085FD4E1-003E-CCCB-FF82-AA407CC34EA0}"/>
               </a:ext>
             </a:extLst>
           </p:cNvPr>
@@ -6669,8 +6669,8 @@
         </p:blipFill>
         <p:spPr>
           <a:xfrm>
-            <a:off x="4384632" y="404592"/>
-            <a:ext cx="7234403" cy="4657376"/>
+            <a:off x="4198816" y="331293"/>
+            <a:ext cx="7910704" cy="4486002"/>
           </a:xfrm>
           <a:prstGeom prst="rect">
             <a:avLst/>
@@ -7400,7 +7400,7 @@
         <p:spPr>
           <a:xfrm>
             <a:off x="4171950" y="189035"/>
-            <a:ext cx="7772400" cy="646331"/>
+            <a:ext cx="7772400" cy="1477328"/>
           </a:xfrm>
           <a:prstGeom prst="rect">
             <a:avLst/>
@@ -7423,8 +7423,25 @@
             </a:r>
             <a:r>
               <a:rPr lang="it-IT" dirty="0"/>
-              <a:t>.</a:t>
-            </a:r>
+              <a:t>. Inizialmente viene eseguita la fetch per la richiesta del token che memorizzo nella variabile </a:t>
+            </a:r>
+            <a:r>
+              <a:rPr lang="it-IT" b="1" dirty="0" err="1"/>
+              <a:t>token_ricevuto</a:t>
+            </a:r>
+            <a:r>
+              <a:rPr lang="it-IT" b="1" dirty="0"/>
+              <a:t>. </a:t>
+            </a:r>
+            <a:r>
+              <a:rPr lang="it-IT" dirty="0"/>
+              <a:t>Alla pressione del tasto #button viene eseguita una nuova fetch nel tentativo di ottenere una precisa immagine per poi inserirla all’interno del div #contenitore</a:t>
+            </a:r>
+            <a:r>
+              <a:rPr lang="it-IT"/>
+              <a:t>_asta.</a:t>
+            </a:r>
+            <a:endParaRPr lang="it-IT" dirty="0"/>
           </a:p>
         </p:txBody>
       </p:sp>
